--- a/resources/modeling_process.pptx
+++ b/resources/modeling_process.pptx
@@ -3991,8 +3991,21 @@
                   <a:schemeClr val="tx1"/>
                 </a:solidFill>
               </a:rPr>
-              <a:t>Read in new FY data into prepared modeling scripts</a:t>
-            </a:r>
+              <a:t>Read in new FY data </a:t>
+            </a:r>
+            <a:r>
+              <a:rPr lang="en-US" sz="1000">
+                <a:solidFill>
+                  <a:schemeClr val="tx1"/>
+                </a:solidFill>
+              </a:rPr>
+              <a:t>from databases (FDW, PROD)</a:t>
+            </a:r>
+            <a:endParaRPr lang="en-US" sz="1000" dirty="0">
+              <a:solidFill>
+                <a:schemeClr val="tx1"/>
+              </a:solidFill>
+            </a:endParaRPr>
           </a:p>
         </p:txBody>
       </p:sp>
